--- a/Sassy Stingrays.pptx
+++ b/Sassy Stingrays.pptx
@@ -7,6 +7,11 @@
   <p:sldIdLst>
     <p:sldId id="256" r:id="rId2"/>
     <p:sldId id="258" r:id="rId3"/>
+    <p:sldId id="259" r:id="rId4"/>
+    <p:sldId id="260" r:id="rId5"/>
+    <p:sldId id="264" r:id="rId6"/>
+    <p:sldId id="262" r:id="rId7"/>
+    <p:sldId id="261" r:id="rId8"/>
   </p:sldIdLst>
   <p:sldSz cx="12192000" cy="6858000"/>
   <p:notesSz cx="6858000" cy="9144000"/>
@@ -287,7 +292,7 @@
             <a:fld id="{F33E6DB1-1B46-4A9E-9DE0-FB3EA5E49B16}" type="datetimeFigureOut">
               <a:rPr lang="en-US" smtClean="0"/>
               <a:pPr/>
-              <a:t>8/24/2018</a:t>
+              <a:t>8/24/18</a:t>
             </a:fld>
             <a:endParaRPr lang="en-US" dirty="0"/>
           </a:p>
@@ -583,7 +588,7 @@
             <a:fld id="{F33E6DB1-1B46-4A9E-9DE0-FB3EA5E49B16}" type="datetimeFigureOut">
               <a:rPr lang="en-US" smtClean="0"/>
               <a:pPr/>
-              <a:t>8/24/2018</a:t>
+              <a:t>8/24/18</a:t>
             </a:fld>
             <a:endParaRPr lang="en-US" dirty="0"/>
           </a:p>
@@ -1026,35 +1031,53 @@
         </p:nvSpPr>
         <p:spPr>
           <a:xfrm>
-            <a:off x="874248" y="275695"/>
+            <a:off x="1524000" y="275695"/>
             <a:ext cx="9144000" cy="2980267"/>
           </a:xfrm>
         </p:spPr>
         <p:txBody>
           <a:bodyPr>
-            <a:normAutofit/>
+            <a:normAutofit fontScale="90000"/>
           </a:bodyPr>
           <a:lstStyle/>
           <a:p>
             <a:r>
-              <a:rPr lang="en-US" sz="7200" dirty="0"/>
+              <a:rPr lang="en-US" sz="7200" b="1" dirty="0">
+                <a:latin typeface="Arial" panose="020B0604020202020204" pitchFamily="34" charset="0"/>
+                <a:cs typeface="Arial" panose="020B0604020202020204" pitchFamily="34" charset="0"/>
+              </a:rPr>
               <a:t>State of Obesity</a:t>
             </a:r>
             <a:br>
-              <a:rPr lang="en-US" dirty="0"/>
+              <a:rPr lang="en-US" b="1" dirty="0">
+                <a:latin typeface="Arial" panose="020B0604020202020204" pitchFamily="34" charset="0"/>
+                <a:cs typeface="Arial" panose="020B0604020202020204" pitchFamily="34" charset="0"/>
+              </a:rPr>
             </a:br>
             <a:r>
-              <a:rPr lang="en-US" sz="4800" dirty="0"/>
+              <a:rPr lang="en-US" sz="4800" b="1" dirty="0">
+                <a:latin typeface="Arial" panose="020B0604020202020204" pitchFamily="34" charset="0"/>
+                <a:cs typeface="Arial" panose="020B0604020202020204" pitchFamily="34" charset="0"/>
+              </a:rPr>
               <a:t>and Selected Social Determinants</a:t>
             </a:r>
             <a:br>
-              <a:rPr lang="en-US" sz="4800" dirty="0"/>
+              <a:rPr lang="en-US" sz="4800" b="1" dirty="0">
+                <a:latin typeface="Arial" panose="020B0604020202020204" pitchFamily="34" charset="0"/>
+                <a:cs typeface="Arial" panose="020B0604020202020204" pitchFamily="34" charset="0"/>
+              </a:rPr>
             </a:br>
             <a:r>
-              <a:rPr lang="en-US" sz="4800" dirty="0"/>
+              <a:rPr lang="en-US" sz="4800" b="1" dirty="0">
+                <a:latin typeface="Arial" panose="020B0604020202020204" pitchFamily="34" charset="0"/>
+                <a:cs typeface="Arial" panose="020B0604020202020204" pitchFamily="34" charset="0"/>
+              </a:rPr>
               <a:t>of Health in the United States</a:t>
             </a:r>
-            <a:endParaRPr lang="en-US" dirty="0"/>
+            <a:endParaRPr lang="en-US" b="1" dirty="0">
+              <a:latin typeface="Arial" panose="020B0604020202020204" pitchFamily="34" charset="0"/>
+              <a:cs typeface="Arial" panose="020B0604020202020204" pitchFamily="34" charset="0"/>
+            </a:endParaRPr>
           </a:p>
         </p:txBody>
       </p:sp>
@@ -1076,7 +1099,7 @@
         </p:nvSpPr>
         <p:spPr>
           <a:xfrm>
-            <a:off x="1264353" y="4089032"/>
+            <a:off x="1524000" y="4089032"/>
             <a:ext cx="9144000" cy="2347350"/>
           </a:xfrm>
         </p:spPr>
@@ -1087,42 +1110,66 @@
           <a:lstStyle/>
           <a:p>
             <a:r>
-              <a:rPr lang="en-US" sz="2800" b="1" dirty="0"/>
+              <a:rPr lang="en-US" sz="2800" b="1" dirty="0">
+                <a:latin typeface="Arial" panose="020B0604020202020204" pitchFamily="34" charset="0"/>
+                <a:cs typeface="Arial" panose="020B0604020202020204" pitchFamily="34" charset="0"/>
+              </a:rPr>
               <a:t>The Sassy Stingrays</a:t>
             </a:r>
           </a:p>
           <a:p>
             <a:r>
-              <a:rPr lang="en-US" dirty="0"/>
+              <a:rPr lang="en-US" dirty="0">
+                <a:latin typeface="Arial" panose="020B0604020202020204" pitchFamily="34" charset="0"/>
+                <a:cs typeface="Arial" panose="020B0604020202020204" pitchFamily="34" charset="0"/>
+              </a:rPr>
               <a:t>Daniel Byrne</a:t>
             </a:r>
           </a:p>
           <a:p>
             <a:r>
-              <a:rPr lang="en-US" dirty="0"/>
+              <a:rPr lang="en-US" dirty="0">
+                <a:latin typeface="Arial" panose="020B0604020202020204" pitchFamily="34" charset="0"/>
+                <a:cs typeface="Arial" panose="020B0604020202020204" pitchFamily="34" charset="0"/>
+              </a:rPr>
               <a:t>Erin Cullen</a:t>
             </a:r>
           </a:p>
           <a:p>
             <a:r>
-              <a:rPr lang="en-US" dirty="0"/>
+              <a:rPr lang="en-US" dirty="0">
+                <a:latin typeface="Arial" panose="020B0604020202020204" pitchFamily="34" charset="0"/>
+                <a:cs typeface="Arial" panose="020B0604020202020204" pitchFamily="34" charset="0"/>
+              </a:rPr>
               <a:t>Steven </a:t>
             </a:r>
             <a:r>
-              <a:rPr lang="en-US" dirty="0" err="1"/>
+              <a:rPr lang="en-US" dirty="0" err="1">
+                <a:latin typeface="Arial" panose="020B0604020202020204" pitchFamily="34" charset="0"/>
+                <a:cs typeface="Arial" panose="020B0604020202020204" pitchFamily="34" charset="0"/>
+              </a:rPr>
               <a:t>Orn</a:t>
             </a:r>
-            <a:endParaRPr lang="en-US" dirty="0"/>
-          </a:p>
-          <a:p>
-            <a:r>
-              <a:rPr lang="en-US" dirty="0"/>
+            <a:endParaRPr lang="en-US" dirty="0">
+              <a:latin typeface="Arial" panose="020B0604020202020204" pitchFamily="34" charset="0"/>
+              <a:cs typeface="Arial" panose="020B0604020202020204" pitchFamily="34" charset="0"/>
+            </a:endParaRPr>
+          </a:p>
+          <a:p>
+            <a:r>
+              <a:rPr lang="en-US" dirty="0">
+                <a:latin typeface="Arial" panose="020B0604020202020204" pitchFamily="34" charset="0"/>
+                <a:cs typeface="Arial" panose="020B0604020202020204" pitchFamily="34" charset="0"/>
+              </a:rPr>
               <a:t>Greg Rosen</a:t>
             </a:r>
           </a:p>
           <a:p>
             <a:r>
-              <a:rPr lang="en-US" dirty="0"/>
+              <a:rPr lang="en-US" dirty="0">
+                <a:latin typeface="Arial" panose="020B0604020202020204" pitchFamily="34" charset="0"/>
+                <a:cs typeface="Arial" panose="020B0604020202020204" pitchFamily="34" charset="0"/>
+              </a:rPr>
               <a:t>Vilma Santos</a:t>
             </a:r>
           </a:p>
@@ -1188,7 +1235,7 @@
         </p:nvSpPr>
         <p:spPr>
           <a:xfrm>
-            <a:off x="903113" y="677335"/>
+            <a:off x="609602" y="327711"/>
             <a:ext cx="9144000" cy="913516"/>
           </a:xfrm>
         </p:spPr>
@@ -1196,11 +1243,18 @@
           <a:bodyPr/>
           <a:lstStyle/>
           <a:p>
-            <a:r>
-              <a:rPr lang="en-US" sz="4800" dirty="0"/>
-              <a:t>Project Goal</a:t>
-            </a:r>
-            <a:endParaRPr lang="en-US" dirty="0"/>
+            <a:pPr algn="l"/>
+            <a:r>
+              <a:rPr lang="en-US" sz="4800" b="1" dirty="0">
+                <a:latin typeface="Arial" panose="020B0604020202020204" pitchFamily="34" charset="0"/>
+                <a:cs typeface="Arial" panose="020B0604020202020204" pitchFamily="34" charset="0"/>
+              </a:rPr>
+              <a:t>PROJECT GOAL</a:t>
+            </a:r>
+            <a:endParaRPr lang="en-US" b="1" dirty="0">
+              <a:latin typeface="Arial" panose="020B0604020202020204" pitchFamily="34" charset="0"/>
+              <a:cs typeface="Arial" panose="020B0604020202020204" pitchFamily="34" charset="0"/>
+            </a:endParaRPr>
           </a:p>
         </p:txBody>
       </p:sp>
@@ -1222,8 +1276,8 @@
         </p:nvSpPr>
         <p:spPr>
           <a:xfrm>
-            <a:off x="609602" y="1852259"/>
-            <a:ext cx="9144000" cy="2133599"/>
+            <a:off x="609602" y="1502635"/>
+            <a:ext cx="6934198" cy="3916530"/>
           </a:xfrm>
         </p:spPr>
         <p:txBody>
@@ -1232,23 +1286,18 @@
           </a:bodyPr>
           <a:lstStyle/>
           <a:p>
-            <a:r>
-              <a:rPr lang="en-US" sz="2800" dirty="0"/>
-              <a:t>Allow users to explore how various social determinants</a:t>
-            </a:r>
-          </a:p>
-          <a:p>
-            <a:r>
-              <a:rPr lang="en-US" sz="2800" dirty="0"/>
-              <a:t>– such as economic status and availability of restaurants – </a:t>
-            </a:r>
-          </a:p>
-          <a:p>
-            <a:r>
-              <a:rPr lang="en-US" sz="2800" dirty="0"/>
-              <a:t>might affect the incidence of obesity in the United States</a:t>
-            </a:r>
-            <a:endParaRPr lang="en-US" dirty="0"/>
+            <a:pPr algn="l"/>
+            <a:r>
+              <a:rPr lang="en-US" sz="2800" dirty="0">
+                <a:latin typeface="Arial" panose="020B0604020202020204" pitchFamily="34" charset="0"/>
+                <a:cs typeface="Arial" panose="020B0604020202020204" pitchFamily="34" charset="0"/>
+              </a:rPr>
+              <a:t>Allow users to explore how various social determinants – such as economic status and availability of restaurants – might affect the incidence of obesity in the United States</a:t>
+            </a:r>
+            <a:endParaRPr lang="en-US" dirty="0">
+              <a:latin typeface="Arial" panose="020B0604020202020204" pitchFamily="34" charset="0"/>
+              <a:cs typeface="Arial" panose="020B0604020202020204" pitchFamily="34" charset="0"/>
+            </a:endParaRPr>
           </a:p>
         </p:txBody>
       </p:sp>
@@ -1292,7 +1341,7 @@
             <a:fld id="{F33E6DB1-1B46-4A9E-9DE0-FB3EA5E49B16}" type="datetimeFigureOut">
               <a:rPr lang="en-US" smtClean="0"/>
               <a:pPr/>
-              <a:t>8/24/2018</a:t>
+              <a:t>8/24/18</a:t>
             </a:fld>
             <a:endParaRPr lang="en-US" dirty="0"/>
           </a:p>
@@ -1479,6 +1528,255 @@
                       </p:childTnLst>
                     </p:cTn>
                   </p:par>
+                </p:childTnLst>
+              </p:cTn>
+              <p:prevCondLst>
+                <p:cond evt="onPrev" delay="0">
+                  <p:tgtEl>
+                    <p:sldTgt/>
+                  </p:tgtEl>
+                </p:cond>
+              </p:prevCondLst>
+              <p:nextCondLst>
+                <p:cond evt="onNext" delay="0">
+                  <p:tgtEl>
+                    <p:sldTgt/>
+                  </p:tgtEl>
+                </p:cond>
+              </p:nextCondLst>
+            </p:seq>
+          </p:childTnLst>
+        </p:cTn>
+      </p:par>
+    </p:tnLst>
+    <p:bldLst>
+      <p:bldP spid="3" grpId="0" build="p"/>
+    </p:bldLst>
+  </p:timing>
+</p:sld>
+</file>
+
+<file path=ppt/slides/slide3.xml><?xml version="1.0" encoding="utf-8"?>
+<p:sld xmlns:a="http://schemas.openxmlformats.org/drawingml/2006/main" xmlns:r="http://schemas.openxmlformats.org/officeDocument/2006/relationships" xmlns:p="http://schemas.openxmlformats.org/presentationml/2006/main">
+  <p:cSld>
+    <p:spTree>
+      <p:nvGrpSpPr>
+        <p:cNvPr id="1" name=""/>
+        <p:cNvGrpSpPr/>
+        <p:nvPr/>
+      </p:nvGrpSpPr>
+      <p:grpSpPr>
+        <a:xfrm>
+          <a:off x="0" y="0"/>
+          <a:ext cx="0" cy="0"/>
+          <a:chOff x="0" y="0"/>
+          <a:chExt cx="0" cy="0"/>
+        </a:xfrm>
+      </p:grpSpPr>
+      <p:pic>
+        <p:nvPicPr>
+          <p:cNvPr id="5" name="Picture 4">
+            <a:extLst>
+              <a:ext uri="{FF2B5EF4-FFF2-40B4-BE49-F238E27FC236}">
+                <a16:creationId xmlns:a16="http://schemas.microsoft.com/office/drawing/2014/main" id="{622E7FF7-005D-1D4A-898F-E42B2F31997E}"/>
+              </a:ext>
+            </a:extLst>
+          </p:cNvPr>
+          <p:cNvPicPr>
+            <a:picLocks noChangeAspect="1"/>
+          </p:cNvPicPr>
+          <p:nvPr/>
+        </p:nvPicPr>
+        <p:blipFill>
+          <a:blip r:embed="rId2">
+            <a:extLst>
+              <a:ext uri="{28A0092B-C50C-407E-A947-70E740481C1C}">
+                <a14:useLocalDpi xmlns:a14="http://schemas.microsoft.com/office/drawing/2010/main" val="0"/>
+              </a:ext>
+            </a:extLst>
+          </a:blip>
+          <a:stretch>
+            <a:fillRect/>
+          </a:stretch>
+        </p:blipFill>
+        <p:spPr>
+          <a:xfrm>
+            <a:off x="782178" y="567386"/>
+            <a:ext cx="6414489" cy="5579413"/>
+          </a:xfrm>
+          <a:prstGeom prst="rect">
+            <a:avLst/>
+          </a:prstGeom>
+        </p:spPr>
+      </p:pic>
+      <p:sp>
+        <p:nvSpPr>
+          <p:cNvPr id="6" name="Subtitle 2">
+            <a:extLst>
+              <a:ext uri="{FF2B5EF4-FFF2-40B4-BE49-F238E27FC236}">
+                <a16:creationId xmlns:a16="http://schemas.microsoft.com/office/drawing/2014/main" id="{91F34B2F-D8D2-654C-B118-443C235E0B22}"/>
+              </a:ext>
+            </a:extLst>
+          </p:cNvPr>
+          <p:cNvSpPr>
+            <a:spLocks noGrp="1"/>
+          </p:cNvSpPr>
+          <p:nvPr>
+            <p:ph type="subTitle" idx="1"/>
+          </p:nvPr>
+        </p:nvSpPr>
+        <p:spPr>
+          <a:xfrm>
+            <a:off x="7450667" y="785459"/>
+            <a:ext cx="4318000" cy="5361340"/>
+          </a:xfrm>
+        </p:spPr>
+        <p:txBody>
+          <a:bodyPr>
+            <a:normAutofit/>
+          </a:bodyPr>
+          <a:lstStyle/>
+          <a:p>
+            <a:pPr algn="r"/>
+            <a:r>
+              <a:rPr lang="en-US" sz="2800" dirty="0">
+                <a:latin typeface="Arial" panose="020B0604020202020204" pitchFamily="34" charset="0"/>
+                <a:cs typeface="Arial" panose="020B0604020202020204" pitchFamily="34" charset="0"/>
+              </a:rPr>
+              <a:t>Used Python’s Flash Framework to build various routes on the site. </a:t>
+            </a:r>
+          </a:p>
+          <a:p>
+            <a:pPr algn="r"/>
+            <a:endParaRPr lang="en-US" sz="2800" dirty="0">
+              <a:latin typeface="Arial" panose="020B0604020202020204" pitchFamily="34" charset="0"/>
+              <a:cs typeface="Arial" panose="020B0604020202020204" pitchFamily="34" charset="0"/>
+            </a:endParaRPr>
+          </a:p>
+          <a:p>
+            <a:pPr algn="r"/>
+            <a:r>
+              <a:rPr lang="en-US" sz="2800" dirty="0">
+                <a:latin typeface="Arial" panose="020B0604020202020204" pitchFamily="34" charset="0"/>
+                <a:cs typeface="Arial" panose="020B0604020202020204" pitchFamily="34" charset="0"/>
+              </a:rPr>
+              <a:t>Data was returned from the </a:t>
+            </a:r>
+            <a:r>
+              <a:rPr lang="en-US" sz="2800" dirty="0" err="1">
+                <a:latin typeface="Arial" panose="020B0604020202020204" pitchFamily="34" charset="0"/>
+                <a:cs typeface="Arial" panose="020B0604020202020204" pitchFamily="34" charset="0"/>
+              </a:rPr>
+              <a:t>sqlite</a:t>
+            </a:r>
+            <a:r>
+              <a:rPr lang="en-US" sz="2800" dirty="0">
+                <a:latin typeface="Arial" panose="020B0604020202020204" pitchFamily="34" charset="0"/>
+                <a:cs typeface="Arial" panose="020B0604020202020204" pitchFamily="34" charset="0"/>
+              </a:rPr>
+              <a:t> database with either a latitude and longitude or a state name and a rate.</a:t>
+            </a:r>
+          </a:p>
+          <a:p>
+            <a:pPr algn="r"/>
+            <a:endParaRPr lang="en-US" dirty="0">
+              <a:latin typeface="Arial" panose="020B0604020202020204" pitchFamily="34" charset="0"/>
+              <a:cs typeface="Arial" panose="020B0604020202020204" pitchFamily="34" charset="0"/>
+            </a:endParaRPr>
+          </a:p>
+        </p:txBody>
+      </p:sp>
+    </p:spTree>
+    <p:extLst>
+      <p:ext uri="{BB962C8B-B14F-4D97-AF65-F5344CB8AC3E}">
+        <p14:creationId xmlns:p14="http://schemas.microsoft.com/office/powerpoint/2010/main" val="2973491238"/>
+      </p:ext>
+    </p:extLst>
+  </p:cSld>
+  <p:clrMapOvr>
+    <a:masterClrMapping/>
+  </p:clrMapOvr>
+  <mc:AlternateContent xmlns:mc="http://schemas.openxmlformats.org/markup-compatibility/2006" xmlns:p14="http://schemas.microsoft.com/office/powerpoint/2010/main">
+    <mc:Choice Requires="p14">
+      <p:transition spd="med" p14:dur="550">
+        <p:fade/>
+      </p:transition>
+    </mc:Choice>
+    <mc:Fallback xmlns="">
+      <p:transition spd="med">
+        <p:fade/>
+      </p:transition>
+    </mc:Fallback>
+  </mc:AlternateContent>
+  <p:timing>
+    <p:tnLst>
+      <p:par>
+        <p:cTn id="1" dur="indefinite" restart="never" nodeType="tmRoot">
+          <p:childTnLst>
+            <p:seq concurrent="1" nextAc="seek">
+              <p:cTn id="2" dur="indefinite" nodeType="mainSeq">
+                <p:childTnLst>
+                  <p:par>
+                    <p:cTn id="3" fill="hold">
+                      <p:stCondLst>
+                        <p:cond delay="indefinite"/>
+                      </p:stCondLst>
+                      <p:childTnLst>
+                        <p:par>
+                          <p:cTn id="4" fill="hold">
+                            <p:stCondLst>
+                              <p:cond delay="0"/>
+                            </p:stCondLst>
+                            <p:childTnLst>
+                              <p:par>
+                                <p:cTn id="5" presetID="10" presetClass="entr" presetSubtype="0" fill="hold" grpId="0" nodeType="clickEffect">
+                                  <p:stCondLst>
+                                    <p:cond delay="0"/>
+                                  </p:stCondLst>
+                                  <p:childTnLst>
+                                    <p:set>
+                                      <p:cBhvr>
+                                        <p:cTn id="6" dur="1" fill="hold">
+                                          <p:stCondLst>
+                                            <p:cond delay="0"/>
+                                          </p:stCondLst>
+                                        </p:cTn>
+                                        <p:tgtEl>
+                                          <p:spTgt spid="6">
+                                            <p:txEl>
+                                              <p:pRg st="0" end="0"/>
+                                            </p:txEl>
+                                          </p:spTgt>
+                                        </p:tgtEl>
+                                        <p:attrNameLst>
+                                          <p:attrName>style.visibility</p:attrName>
+                                        </p:attrNameLst>
+                                      </p:cBhvr>
+                                      <p:to>
+                                        <p:strVal val="visible"/>
+                                      </p:to>
+                                    </p:set>
+                                    <p:animEffect transition="in" filter="fade">
+                                      <p:cBhvr>
+                                        <p:cTn id="7" dur="500"/>
+                                        <p:tgtEl>
+                                          <p:spTgt spid="6">
+                                            <p:txEl>
+                                              <p:pRg st="0" end="0"/>
+                                            </p:txEl>
+                                          </p:spTgt>
+                                        </p:tgtEl>
+                                      </p:cBhvr>
+                                    </p:animEffect>
+                                  </p:childTnLst>
+                                </p:cTn>
+                              </p:par>
+                            </p:childTnLst>
+                          </p:cTn>
+                        </p:par>
+                      </p:childTnLst>
+                    </p:cTn>
+                  </p:par>
                   <p:par>
                     <p:cTn id="8" fill="hold">
                       <p:stCondLst>
@@ -1505,9 +1803,9 @@
                                           </p:stCondLst>
                                         </p:cTn>
                                         <p:tgtEl>
-                                          <p:spTgt spid="3">
+                                          <p:spTgt spid="6">
                                             <p:txEl>
-                                              <p:pRg st="1" end="1"/>
+                                              <p:pRg st="2" end="2"/>
                                             </p:txEl>
                                           </p:spTgt>
                                         </p:tgtEl>
@@ -1523,68 +1821,7 @@
                                       <p:cBhvr>
                                         <p:cTn id="12" dur="500"/>
                                         <p:tgtEl>
-                                          <p:spTgt spid="3">
-                                            <p:txEl>
-                                              <p:pRg st="1" end="1"/>
-                                            </p:txEl>
-                                          </p:spTgt>
-                                        </p:tgtEl>
-                                      </p:cBhvr>
-                                    </p:animEffect>
-                                  </p:childTnLst>
-                                </p:cTn>
-                              </p:par>
-                            </p:childTnLst>
-                          </p:cTn>
-                        </p:par>
-                      </p:childTnLst>
-                    </p:cTn>
-                  </p:par>
-                  <p:par>
-                    <p:cTn id="13" fill="hold">
-                      <p:stCondLst>
-                        <p:cond delay="indefinite"/>
-                      </p:stCondLst>
-                      <p:childTnLst>
-                        <p:par>
-                          <p:cTn id="14" fill="hold">
-                            <p:stCondLst>
-                              <p:cond delay="0"/>
-                            </p:stCondLst>
-                            <p:childTnLst>
-                              <p:par>
-                                <p:cTn id="15" presetID="10" presetClass="entr" presetSubtype="0" fill="hold" grpId="0" nodeType="clickEffect">
-                                  <p:stCondLst>
-                                    <p:cond delay="0"/>
-                                  </p:stCondLst>
-                                  <p:childTnLst>
-                                    <p:set>
-                                      <p:cBhvr>
-                                        <p:cTn id="16" dur="1" fill="hold">
-                                          <p:stCondLst>
-                                            <p:cond delay="0"/>
-                                          </p:stCondLst>
-                                        </p:cTn>
-                                        <p:tgtEl>
-                                          <p:spTgt spid="3">
-                                            <p:txEl>
-                                              <p:pRg st="2" end="2"/>
-                                            </p:txEl>
-                                          </p:spTgt>
-                                        </p:tgtEl>
-                                        <p:attrNameLst>
-                                          <p:attrName>style.visibility</p:attrName>
-                                        </p:attrNameLst>
-                                      </p:cBhvr>
-                                      <p:to>
-                                        <p:strVal val="visible"/>
-                                      </p:to>
-                                    </p:set>
-                                    <p:animEffect transition="in" filter="fade">
-                                      <p:cBhvr>
-                                        <p:cTn id="17" dur="500"/>
-                                        <p:tgtEl>
-                                          <p:spTgt spid="3">
+                                          <p:spTgt spid="6">
                                             <p:txEl>
                                               <p:pRg st="2" end="2"/>
                                             </p:txEl>
@@ -1623,9 +1860,748 @@
       </p:par>
     </p:tnLst>
     <p:bldLst>
-      <p:bldP spid="3" grpId="0" build="p"/>
+      <p:bldP spid="6" grpId="0" build="p"/>
     </p:bldLst>
   </p:timing>
+</p:sld>
+</file>
+
+<file path=ppt/slides/slide4.xml><?xml version="1.0" encoding="utf-8"?>
+<p:sld xmlns:a="http://schemas.openxmlformats.org/drawingml/2006/main" xmlns:r="http://schemas.openxmlformats.org/officeDocument/2006/relationships" xmlns:p="http://schemas.openxmlformats.org/presentationml/2006/main">
+  <p:cSld>
+    <p:spTree>
+      <p:nvGrpSpPr>
+        <p:cNvPr id="1" name=""/>
+        <p:cNvGrpSpPr/>
+        <p:nvPr/>
+      </p:nvGrpSpPr>
+      <p:grpSpPr>
+        <a:xfrm>
+          <a:off x="0" y="0"/>
+          <a:ext cx="0" cy="0"/>
+          <a:chOff x="0" y="0"/>
+          <a:chExt cx="0" cy="0"/>
+        </a:xfrm>
+      </p:grpSpPr>
+      <p:pic>
+        <p:nvPicPr>
+          <p:cNvPr id="5" name="Picture 4">
+            <a:extLst>
+              <a:ext uri="{FF2B5EF4-FFF2-40B4-BE49-F238E27FC236}">
+                <a16:creationId xmlns:a16="http://schemas.microsoft.com/office/drawing/2014/main" id="{F1F82C62-5017-494E-AAB7-58A163598D15}"/>
+              </a:ext>
+            </a:extLst>
+          </p:cNvPr>
+          <p:cNvPicPr>
+            <a:picLocks noChangeAspect="1"/>
+          </p:cNvPicPr>
+          <p:nvPr/>
+        </p:nvPicPr>
+        <p:blipFill>
+          <a:blip r:embed="rId2">
+            <a:extLst>
+              <a:ext uri="{28A0092B-C50C-407E-A947-70E740481C1C}">
+                <a14:useLocalDpi xmlns:a14="http://schemas.microsoft.com/office/drawing/2010/main" val="0"/>
+              </a:ext>
+            </a:extLst>
+          </a:blip>
+          <a:stretch>
+            <a:fillRect/>
+          </a:stretch>
+        </p:blipFill>
+        <p:spPr>
+          <a:xfrm>
+            <a:off x="728802" y="862165"/>
+            <a:ext cx="5807465" cy="4962901"/>
+          </a:xfrm>
+          <a:prstGeom prst="rect">
+            <a:avLst/>
+          </a:prstGeom>
+        </p:spPr>
+      </p:pic>
+      <p:sp>
+        <p:nvSpPr>
+          <p:cNvPr id="6" name="Subtitle 2">
+            <a:extLst>
+              <a:ext uri="{FF2B5EF4-FFF2-40B4-BE49-F238E27FC236}">
+                <a16:creationId xmlns:a16="http://schemas.microsoft.com/office/drawing/2014/main" id="{0C4C36A8-350C-CA4A-A6BC-78D863E5215C}"/>
+              </a:ext>
+            </a:extLst>
+          </p:cNvPr>
+          <p:cNvSpPr>
+            <a:spLocks noGrp="1"/>
+          </p:cNvSpPr>
+          <p:nvPr>
+            <p:ph type="subTitle" idx="1"/>
+          </p:nvPr>
+        </p:nvSpPr>
+        <p:spPr>
+          <a:xfrm>
+            <a:off x="7181726" y="662945"/>
+            <a:ext cx="4318000" cy="5361340"/>
+          </a:xfrm>
+        </p:spPr>
+        <p:txBody>
+          <a:bodyPr>
+            <a:normAutofit/>
+          </a:bodyPr>
+          <a:lstStyle/>
+          <a:p>
+            <a:pPr algn="r"/>
+            <a:r>
+              <a:rPr lang="en-US" sz="2800" dirty="0">
+                <a:latin typeface="Arial" panose="020B0604020202020204" pitchFamily="34" charset="0"/>
+                <a:cs typeface="Arial" panose="020B0604020202020204" pitchFamily="34" charset="0"/>
+              </a:rPr>
+              <a:t>Used JavaScript’s leaflet library to graph the data on a map of the US. </a:t>
+            </a:r>
+          </a:p>
+          <a:p>
+            <a:pPr algn="r"/>
+            <a:endParaRPr lang="en-US" sz="2800" dirty="0">
+              <a:latin typeface="Arial" panose="020B0604020202020204" pitchFamily="34" charset="0"/>
+              <a:cs typeface="Arial" panose="020B0604020202020204" pitchFamily="34" charset="0"/>
+            </a:endParaRPr>
+          </a:p>
+          <a:p>
+            <a:pPr algn="r"/>
+            <a:r>
+              <a:rPr lang="en-US" sz="2800" dirty="0">
+                <a:latin typeface="Arial" panose="020B0604020202020204" pitchFamily="34" charset="0"/>
+                <a:cs typeface="Arial" panose="020B0604020202020204" pitchFamily="34" charset="0"/>
+              </a:rPr>
+              <a:t>We used a GEO JSON file to get the outlines of each state. </a:t>
+            </a:r>
+          </a:p>
+          <a:p>
+            <a:endParaRPr lang="en-US" dirty="0"/>
+          </a:p>
+        </p:txBody>
+      </p:sp>
+    </p:spTree>
+    <p:extLst>
+      <p:ext uri="{BB962C8B-B14F-4D97-AF65-F5344CB8AC3E}">
+        <p14:creationId xmlns:p14="http://schemas.microsoft.com/office/powerpoint/2010/main" val="2725075025"/>
+      </p:ext>
+    </p:extLst>
+  </p:cSld>
+  <p:clrMapOvr>
+    <a:masterClrMapping/>
+  </p:clrMapOvr>
+  <mc:AlternateContent xmlns:mc="http://schemas.openxmlformats.org/markup-compatibility/2006" xmlns:p14="http://schemas.microsoft.com/office/powerpoint/2010/main">
+    <mc:Choice Requires="p14">
+      <p:transition spd="med" p14:dur="550">
+        <p:fade/>
+      </p:transition>
+    </mc:Choice>
+    <mc:Fallback xmlns="">
+      <p:transition spd="med">
+        <p:fade/>
+      </p:transition>
+    </mc:Fallback>
+  </mc:AlternateContent>
+  <p:timing>
+    <p:tnLst>
+      <p:par>
+        <p:cTn id="1" dur="indefinite" restart="never" nodeType="tmRoot">
+          <p:childTnLst>
+            <p:seq concurrent="1" nextAc="seek">
+              <p:cTn id="2" dur="indefinite" nodeType="mainSeq">
+                <p:childTnLst>
+                  <p:par>
+                    <p:cTn id="3" fill="hold">
+                      <p:stCondLst>
+                        <p:cond delay="indefinite"/>
+                      </p:stCondLst>
+                      <p:childTnLst>
+                        <p:par>
+                          <p:cTn id="4" fill="hold">
+                            <p:stCondLst>
+                              <p:cond delay="0"/>
+                            </p:stCondLst>
+                            <p:childTnLst>
+                              <p:par>
+                                <p:cTn id="5" presetID="10" presetClass="entr" presetSubtype="0" fill="hold" grpId="0" nodeType="clickEffect">
+                                  <p:stCondLst>
+                                    <p:cond delay="0"/>
+                                  </p:stCondLst>
+                                  <p:childTnLst>
+                                    <p:set>
+                                      <p:cBhvr>
+                                        <p:cTn id="6" dur="1" fill="hold">
+                                          <p:stCondLst>
+                                            <p:cond delay="0"/>
+                                          </p:stCondLst>
+                                        </p:cTn>
+                                        <p:tgtEl>
+                                          <p:spTgt spid="6">
+                                            <p:txEl>
+                                              <p:pRg st="0" end="0"/>
+                                            </p:txEl>
+                                          </p:spTgt>
+                                        </p:tgtEl>
+                                        <p:attrNameLst>
+                                          <p:attrName>style.visibility</p:attrName>
+                                        </p:attrNameLst>
+                                      </p:cBhvr>
+                                      <p:to>
+                                        <p:strVal val="visible"/>
+                                      </p:to>
+                                    </p:set>
+                                    <p:animEffect transition="in" filter="fade">
+                                      <p:cBhvr>
+                                        <p:cTn id="7" dur="500"/>
+                                        <p:tgtEl>
+                                          <p:spTgt spid="6">
+                                            <p:txEl>
+                                              <p:pRg st="0" end="0"/>
+                                            </p:txEl>
+                                          </p:spTgt>
+                                        </p:tgtEl>
+                                      </p:cBhvr>
+                                    </p:animEffect>
+                                  </p:childTnLst>
+                                </p:cTn>
+                              </p:par>
+                            </p:childTnLst>
+                          </p:cTn>
+                        </p:par>
+                      </p:childTnLst>
+                    </p:cTn>
+                  </p:par>
+                  <p:par>
+                    <p:cTn id="8" fill="hold">
+                      <p:stCondLst>
+                        <p:cond delay="indefinite"/>
+                      </p:stCondLst>
+                      <p:childTnLst>
+                        <p:par>
+                          <p:cTn id="9" fill="hold">
+                            <p:stCondLst>
+                              <p:cond delay="0"/>
+                            </p:stCondLst>
+                            <p:childTnLst>
+                              <p:par>
+                                <p:cTn id="10" presetID="10" presetClass="entr" presetSubtype="0" fill="hold" grpId="0" nodeType="clickEffect">
+                                  <p:stCondLst>
+                                    <p:cond delay="0"/>
+                                  </p:stCondLst>
+                                  <p:childTnLst>
+                                    <p:set>
+                                      <p:cBhvr>
+                                        <p:cTn id="11" dur="1" fill="hold">
+                                          <p:stCondLst>
+                                            <p:cond delay="0"/>
+                                          </p:stCondLst>
+                                        </p:cTn>
+                                        <p:tgtEl>
+                                          <p:spTgt spid="6">
+                                            <p:txEl>
+                                              <p:pRg st="2" end="2"/>
+                                            </p:txEl>
+                                          </p:spTgt>
+                                        </p:tgtEl>
+                                        <p:attrNameLst>
+                                          <p:attrName>style.visibility</p:attrName>
+                                        </p:attrNameLst>
+                                      </p:cBhvr>
+                                      <p:to>
+                                        <p:strVal val="visible"/>
+                                      </p:to>
+                                    </p:set>
+                                    <p:animEffect transition="in" filter="fade">
+                                      <p:cBhvr>
+                                        <p:cTn id="12" dur="500"/>
+                                        <p:tgtEl>
+                                          <p:spTgt spid="6">
+                                            <p:txEl>
+                                              <p:pRg st="2" end="2"/>
+                                            </p:txEl>
+                                          </p:spTgt>
+                                        </p:tgtEl>
+                                      </p:cBhvr>
+                                    </p:animEffect>
+                                  </p:childTnLst>
+                                </p:cTn>
+                              </p:par>
+                            </p:childTnLst>
+                          </p:cTn>
+                        </p:par>
+                      </p:childTnLst>
+                    </p:cTn>
+                  </p:par>
+                </p:childTnLst>
+              </p:cTn>
+              <p:prevCondLst>
+                <p:cond evt="onPrev" delay="0">
+                  <p:tgtEl>
+                    <p:sldTgt/>
+                  </p:tgtEl>
+                </p:cond>
+              </p:prevCondLst>
+              <p:nextCondLst>
+                <p:cond evt="onNext" delay="0">
+                  <p:tgtEl>
+                    <p:sldTgt/>
+                  </p:tgtEl>
+                </p:cond>
+              </p:nextCondLst>
+            </p:seq>
+          </p:childTnLst>
+        </p:cTn>
+      </p:par>
+    </p:tnLst>
+    <p:bldLst>
+      <p:bldP spid="6" grpId="0" build="p"/>
+    </p:bldLst>
+  </p:timing>
+</p:sld>
+</file>
+
+<file path=ppt/slides/slide5.xml><?xml version="1.0" encoding="utf-8"?>
+<p:sld xmlns:a="http://schemas.openxmlformats.org/drawingml/2006/main" xmlns:r="http://schemas.openxmlformats.org/officeDocument/2006/relationships" xmlns:p="http://schemas.openxmlformats.org/presentationml/2006/main">
+  <p:cSld>
+    <p:spTree>
+      <p:nvGrpSpPr>
+        <p:cNvPr id="1" name=""/>
+        <p:cNvGrpSpPr/>
+        <p:nvPr/>
+      </p:nvGrpSpPr>
+      <p:grpSpPr>
+        <a:xfrm>
+          <a:off x="0" y="0"/>
+          <a:ext cx="0" cy="0"/>
+          <a:chOff x="0" y="0"/>
+          <a:chExt cx="0" cy="0"/>
+        </a:xfrm>
+      </p:grpSpPr>
+      <p:sp>
+        <p:nvSpPr>
+          <p:cNvPr id="2" name="Title 1">
+            <a:extLst>
+              <a:ext uri="{FF2B5EF4-FFF2-40B4-BE49-F238E27FC236}">
+                <a16:creationId xmlns:a16="http://schemas.microsoft.com/office/drawing/2014/main" id="{8ED9D68F-1345-CA42-9E80-51AFB13A7AAA}"/>
+              </a:ext>
+            </a:extLst>
+          </p:cNvPr>
+          <p:cNvSpPr>
+            <a:spLocks noGrp="1"/>
+          </p:cNvSpPr>
+          <p:nvPr>
+            <p:ph type="ctrTitle"/>
+          </p:nvPr>
+        </p:nvSpPr>
+        <p:spPr>
+          <a:xfrm>
+            <a:off x="354105" y="315539"/>
+            <a:ext cx="6087035" cy="1029167"/>
+          </a:xfrm>
+        </p:spPr>
+        <p:txBody>
+          <a:bodyPr anchor="t">
+            <a:normAutofit/>
+          </a:bodyPr>
+          <a:lstStyle/>
+          <a:p>
+            <a:pPr algn="l"/>
+            <a:r>
+              <a:rPr lang="en-US" sz="4800" b="1" dirty="0">
+                <a:latin typeface="Arial" panose="020B0604020202020204" pitchFamily="34" charset="0"/>
+                <a:cs typeface="Arial" panose="020B0604020202020204" pitchFamily="34" charset="0"/>
+              </a:rPr>
+              <a:t>SCROLLAMA</a:t>
+            </a:r>
+          </a:p>
+        </p:txBody>
+      </p:sp>
+      <p:sp>
+        <p:nvSpPr>
+          <p:cNvPr id="3" name="Subtitle 2">
+            <a:extLst>
+              <a:ext uri="{FF2B5EF4-FFF2-40B4-BE49-F238E27FC236}">
+                <a16:creationId xmlns:a16="http://schemas.microsoft.com/office/drawing/2014/main" id="{7DEA9603-E382-AB41-9259-5BD54F0A35B2}"/>
+              </a:ext>
+            </a:extLst>
+          </p:cNvPr>
+          <p:cNvSpPr>
+            <a:spLocks noGrp="1"/>
+          </p:cNvSpPr>
+          <p:nvPr>
+            <p:ph type="subTitle" idx="1"/>
+          </p:nvPr>
+        </p:nvSpPr>
+        <p:spPr>
+          <a:xfrm>
+            <a:off x="354106" y="1344706"/>
+            <a:ext cx="11479306" cy="1655762"/>
+          </a:xfrm>
+        </p:spPr>
+        <p:txBody>
+          <a:bodyPr/>
+          <a:lstStyle/>
+          <a:p>
+            <a:pPr marL="342900" indent="-342900" algn="l">
+              <a:buFont typeface="Arial" panose="020B0604020202020204" pitchFamily="34" charset="0"/>
+              <a:buChar char="•"/>
+            </a:pPr>
+            <a:r>
+              <a:rPr lang="en-US" dirty="0"/>
+              <a:t>We used </a:t>
+            </a:r>
+            <a:r>
+              <a:rPr lang="en-US" dirty="0" err="1"/>
+              <a:t>Scrollama</a:t>
+            </a:r>
+            <a:r>
+              <a:rPr lang="en-US" dirty="0"/>
+              <a:t> as our additional JS library</a:t>
+            </a:r>
+          </a:p>
+          <a:p>
+            <a:pPr marL="342900" indent="-342900" algn="l">
+              <a:buFont typeface="Arial" panose="020B0604020202020204" pitchFamily="34" charset="0"/>
+              <a:buChar char="•"/>
+            </a:pPr>
+            <a:r>
+              <a:rPr lang="en-US" b="1" dirty="0" err="1"/>
+              <a:t>Scrollama</a:t>
+            </a:r>
+            <a:r>
+              <a:rPr lang="en-US" dirty="0"/>
+              <a:t> is a modern &amp; lightweight JavaScript library for </a:t>
+            </a:r>
+            <a:r>
+              <a:rPr lang="en-US" dirty="0" err="1"/>
+              <a:t>scrollytelling</a:t>
+            </a:r>
+            <a:r>
+              <a:rPr lang="en-US" dirty="0"/>
+              <a:t> using IntersectionObserver in favor of scroll events.</a:t>
+            </a:r>
+          </a:p>
+        </p:txBody>
+      </p:sp>
+      <p:pic>
+        <p:nvPicPr>
+          <p:cNvPr id="8" name="Picture 7">
+            <a:extLst>
+              <a:ext uri="{FF2B5EF4-FFF2-40B4-BE49-F238E27FC236}">
+                <a16:creationId xmlns:a16="http://schemas.microsoft.com/office/drawing/2014/main" id="{AA9B1D49-79B5-3141-9CCD-C31DCC9A7B3B}"/>
+              </a:ext>
+            </a:extLst>
+          </p:cNvPr>
+          <p:cNvPicPr>
+            <a:picLocks noChangeAspect="1"/>
+          </p:cNvPicPr>
+          <p:nvPr/>
+        </p:nvPicPr>
+        <p:blipFill>
+          <a:blip r:embed="rId2"/>
+          <a:stretch>
+            <a:fillRect/>
+          </a:stretch>
+        </p:blipFill>
+        <p:spPr>
+          <a:xfrm>
+            <a:off x="3843990" y="2747203"/>
+            <a:ext cx="2597150" cy="3976326"/>
+          </a:xfrm>
+          <a:prstGeom prst="rect">
+            <a:avLst/>
+          </a:prstGeom>
+        </p:spPr>
+      </p:pic>
+    </p:spTree>
+    <p:extLst>
+      <p:ext uri="{BB962C8B-B14F-4D97-AF65-F5344CB8AC3E}">
+        <p14:creationId xmlns:p14="http://schemas.microsoft.com/office/powerpoint/2010/main" val="1523677684"/>
+      </p:ext>
+    </p:extLst>
+  </p:cSld>
+  <p:clrMapOvr>
+    <a:masterClrMapping/>
+  </p:clrMapOvr>
+  <mc:AlternateContent xmlns:mc="http://schemas.openxmlformats.org/markup-compatibility/2006" xmlns:p14="http://schemas.microsoft.com/office/powerpoint/2010/main">
+    <mc:Choice Requires="p14">
+      <p:transition spd="med" p14:dur="550">
+        <p:fade/>
+      </p:transition>
+    </mc:Choice>
+    <mc:Fallback xmlns="">
+      <p:transition spd="med">
+        <p:fade/>
+      </p:transition>
+    </mc:Fallback>
+  </mc:AlternateContent>
+</p:sld>
+</file>
+
+<file path=ppt/slides/slide6.xml><?xml version="1.0" encoding="utf-8"?>
+<p:sld xmlns:a="http://schemas.openxmlformats.org/drawingml/2006/main" xmlns:r="http://schemas.openxmlformats.org/officeDocument/2006/relationships" xmlns:p="http://schemas.openxmlformats.org/presentationml/2006/main">
+  <p:cSld>
+    <p:spTree>
+      <p:nvGrpSpPr>
+        <p:cNvPr id="1" name=""/>
+        <p:cNvGrpSpPr/>
+        <p:nvPr/>
+      </p:nvGrpSpPr>
+      <p:grpSpPr>
+        <a:xfrm>
+          <a:off x="0" y="0"/>
+          <a:ext cx="0" cy="0"/>
+          <a:chOff x="0" y="0"/>
+          <a:chExt cx="0" cy="0"/>
+        </a:xfrm>
+      </p:grpSpPr>
+      <p:sp>
+        <p:nvSpPr>
+          <p:cNvPr id="2" name="Title 1">
+            <a:extLst>
+              <a:ext uri="{FF2B5EF4-FFF2-40B4-BE49-F238E27FC236}">
+                <a16:creationId xmlns:a16="http://schemas.microsoft.com/office/drawing/2014/main" id="{8ED9D68F-1345-CA42-9E80-51AFB13A7AAA}"/>
+              </a:ext>
+            </a:extLst>
+          </p:cNvPr>
+          <p:cNvSpPr>
+            <a:spLocks noGrp="1"/>
+          </p:cNvSpPr>
+          <p:nvPr>
+            <p:ph type="ctrTitle"/>
+          </p:nvPr>
+        </p:nvSpPr>
+        <p:spPr>
+          <a:xfrm>
+            <a:off x="354106" y="315539"/>
+            <a:ext cx="4137212" cy="1029167"/>
+          </a:xfrm>
+        </p:spPr>
+        <p:txBody>
+          <a:bodyPr anchor="t">
+            <a:normAutofit/>
+          </a:bodyPr>
+          <a:lstStyle/>
+          <a:p>
+            <a:pPr algn="l"/>
+            <a:r>
+              <a:rPr lang="en-US" sz="4800" b="1" dirty="0">
+                <a:latin typeface="Arial" panose="020B0604020202020204" pitchFamily="34" charset="0"/>
+                <a:cs typeface="Arial" panose="020B0604020202020204" pitchFamily="34" charset="0"/>
+              </a:rPr>
+              <a:t>FINDINGS</a:t>
+            </a:r>
+          </a:p>
+        </p:txBody>
+      </p:sp>
+      <p:sp>
+        <p:nvSpPr>
+          <p:cNvPr id="3" name="Subtitle 2">
+            <a:extLst>
+              <a:ext uri="{FF2B5EF4-FFF2-40B4-BE49-F238E27FC236}">
+                <a16:creationId xmlns:a16="http://schemas.microsoft.com/office/drawing/2014/main" id="{7DEA9603-E382-AB41-9259-5BD54F0A35B2}"/>
+              </a:ext>
+            </a:extLst>
+          </p:cNvPr>
+          <p:cNvSpPr>
+            <a:spLocks noGrp="1"/>
+          </p:cNvSpPr>
+          <p:nvPr>
+            <p:ph type="subTitle" idx="1"/>
+          </p:nvPr>
+        </p:nvSpPr>
+        <p:spPr>
+          <a:xfrm>
+            <a:off x="354106" y="1344706"/>
+            <a:ext cx="9144000" cy="1655762"/>
+          </a:xfrm>
+        </p:spPr>
+        <p:txBody>
+          <a:bodyPr/>
+          <a:lstStyle/>
+          <a:p>
+            <a:pPr marL="342900" indent="-342900" algn="l">
+              <a:buFont typeface="Arial" panose="020B0604020202020204" pitchFamily="34" charset="0"/>
+              <a:buChar char="•"/>
+            </a:pPr>
+            <a:r>
+              <a:rPr lang="en-US" dirty="0"/>
+              <a:t>There is an inverse relationship between obesity and poverty</a:t>
+            </a:r>
+          </a:p>
+        </p:txBody>
+      </p:sp>
+      <p:pic>
+        <p:nvPicPr>
+          <p:cNvPr id="5" name="Picture 4">
+            <a:extLst>
+              <a:ext uri="{FF2B5EF4-FFF2-40B4-BE49-F238E27FC236}">
+                <a16:creationId xmlns:a16="http://schemas.microsoft.com/office/drawing/2014/main" id="{9DBFAC71-522B-6F4E-A02F-24487CA427E9}"/>
+              </a:ext>
+            </a:extLst>
+          </p:cNvPr>
+          <p:cNvPicPr>
+            <a:picLocks noChangeAspect="1"/>
+          </p:cNvPicPr>
+          <p:nvPr/>
+        </p:nvPicPr>
+        <p:blipFill>
+          <a:blip r:embed="rId2">
+            <a:extLst>
+              <a:ext uri="{28A0092B-C50C-407E-A947-70E740481C1C}">
+                <a14:useLocalDpi xmlns:a14="http://schemas.microsoft.com/office/drawing/2010/main" val="0"/>
+              </a:ext>
+            </a:extLst>
+          </a:blip>
+          <a:stretch>
+            <a:fillRect/>
+          </a:stretch>
+        </p:blipFill>
+        <p:spPr>
+          <a:xfrm>
+            <a:off x="4207934" y="3640666"/>
+            <a:ext cx="7575291" cy="2785533"/>
+          </a:xfrm>
+          <a:prstGeom prst="rect">
+            <a:avLst/>
+          </a:prstGeom>
+        </p:spPr>
+      </p:pic>
+    </p:spTree>
+    <p:extLst>
+      <p:ext uri="{BB962C8B-B14F-4D97-AF65-F5344CB8AC3E}">
+        <p14:creationId xmlns:p14="http://schemas.microsoft.com/office/powerpoint/2010/main" val="633790351"/>
+      </p:ext>
+    </p:extLst>
+  </p:cSld>
+  <p:clrMapOvr>
+    <a:masterClrMapping/>
+  </p:clrMapOvr>
+  <mc:AlternateContent xmlns:mc="http://schemas.openxmlformats.org/markup-compatibility/2006" xmlns:p14="http://schemas.microsoft.com/office/powerpoint/2010/main">
+    <mc:Choice Requires="p14">
+      <p:transition spd="med" p14:dur="550">
+        <p:fade/>
+      </p:transition>
+    </mc:Choice>
+    <mc:Fallback xmlns="">
+      <p:transition spd="med">
+        <p:fade/>
+      </p:transition>
+    </mc:Fallback>
+  </mc:AlternateContent>
+</p:sld>
+</file>
+
+<file path=ppt/slides/slide7.xml><?xml version="1.0" encoding="utf-8"?>
+<p:sld xmlns:a="http://schemas.openxmlformats.org/drawingml/2006/main" xmlns:r="http://schemas.openxmlformats.org/officeDocument/2006/relationships" xmlns:p="http://schemas.openxmlformats.org/presentationml/2006/main">
+  <p:cSld>
+    <p:spTree>
+      <p:nvGrpSpPr>
+        <p:cNvPr id="1" name=""/>
+        <p:cNvGrpSpPr/>
+        <p:nvPr/>
+      </p:nvGrpSpPr>
+      <p:grpSpPr>
+        <a:xfrm>
+          <a:off x="0" y="0"/>
+          <a:ext cx="0" cy="0"/>
+          <a:chOff x="0" y="0"/>
+          <a:chExt cx="0" cy="0"/>
+        </a:xfrm>
+      </p:grpSpPr>
+      <p:sp>
+        <p:nvSpPr>
+          <p:cNvPr id="2" name="Title 1">
+            <a:extLst>
+              <a:ext uri="{FF2B5EF4-FFF2-40B4-BE49-F238E27FC236}">
+                <a16:creationId xmlns:a16="http://schemas.microsoft.com/office/drawing/2014/main" id="{8ED9D68F-1345-CA42-9E80-51AFB13A7AAA}"/>
+              </a:ext>
+            </a:extLst>
+          </p:cNvPr>
+          <p:cNvSpPr>
+            <a:spLocks noGrp="1"/>
+          </p:cNvSpPr>
+          <p:nvPr>
+            <p:ph type="ctrTitle"/>
+          </p:nvPr>
+        </p:nvSpPr>
+        <p:spPr>
+          <a:xfrm>
+            <a:off x="354106" y="315539"/>
+            <a:ext cx="4137212" cy="1029167"/>
+          </a:xfrm>
+        </p:spPr>
+        <p:txBody>
+          <a:bodyPr anchor="t">
+            <a:normAutofit/>
+          </a:bodyPr>
+          <a:lstStyle/>
+          <a:p>
+            <a:pPr algn="l"/>
+            <a:r>
+              <a:rPr lang="en-US" sz="4800" b="1" dirty="0">
+                <a:latin typeface="Arial" panose="020B0604020202020204" pitchFamily="34" charset="0"/>
+                <a:cs typeface="Arial" panose="020B0604020202020204" pitchFamily="34" charset="0"/>
+              </a:rPr>
+              <a:t>LIMITATIONS </a:t>
+            </a:r>
+          </a:p>
+        </p:txBody>
+      </p:sp>
+      <p:sp>
+        <p:nvSpPr>
+          <p:cNvPr id="3" name="Subtitle 2">
+            <a:extLst>
+              <a:ext uri="{FF2B5EF4-FFF2-40B4-BE49-F238E27FC236}">
+                <a16:creationId xmlns:a16="http://schemas.microsoft.com/office/drawing/2014/main" id="{7DEA9603-E382-AB41-9259-5BD54F0A35B2}"/>
+              </a:ext>
+            </a:extLst>
+          </p:cNvPr>
+          <p:cNvSpPr>
+            <a:spLocks noGrp="1"/>
+          </p:cNvSpPr>
+          <p:nvPr>
+            <p:ph type="subTitle" idx="1"/>
+          </p:nvPr>
+        </p:nvSpPr>
+        <p:spPr>
+          <a:xfrm>
+            <a:off x="354106" y="1344706"/>
+            <a:ext cx="9144000" cy="1655762"/>
+          </a:xfrm>
+        </p:spPr>
+        <p:txBody>
+          <a:bodyPr/>
+          <a:lstStyle/>
+          <a:p>
+            <a:pPr marL="342900" indent="-342900">
+              <a:buFont typeface="Arial" panose="020B0604020202020204" pitchFamily="34" charset="0"/>
+              <a:buChar char="•"/>
+            </a:pPr>
+            <a:endParaRPr lang="en-US" dirty="0"/>
+          </a:p>
+        </p:txBody>
+      </p:sp>
+    </p:spTree>
+    <p:extLst>
+      <p:ext uri="{BB962C8B-B14F-4D97-AF65-F5344CB8AC3E}">
+        <p14:creationId xmlns:p14="http://schemas.microsoft.com/office/powerpoint/2010/main" val="2903859998"/>
+      </p:ext>
+    </p:extLst>
+  </p:cSld>
+  <p:clrMapOvr>
+    <a:masterClrMapping/>
+  </p:clrMapOvr>
+  <mc:AlternateContent xmlns:mc="http://schemas.openxmlformats.org/markup-compatibility/2006" xmlns:p14="http://schemas.microsoft.com/office/powerpoint/2010/main">
+    <mc:Choice Requires="p14">
+      <p:transition spd="med" p14:dur="550">
+        <p:fade/>
+      </p:transition>
+    </mc:Choice>
+    <mc:Fallback xmlns="">
+      <p:transition spd="med">
+        <p:fade/>
+      </p:transition>
+    </mc:Fallback>
+  </mc:AlternateContent>
 </p:sld>
 </file>
 
